--- a/Ppt.pptx
+++ b/Ppt.pptx
@@ -3493,7 +3493,7 @@
         </p:nvSpPr>
         <p:spPr>
           <a:xfrm>
-            <a:off x="685800" y="2430189"/>
+            <a:off x="685800" y="2708954"/>
             <a:ext cx="7772400" cy="1470025"/>
           </a:xfrm>
         </p:spPr>
@@ -3536,19 +3536,19 @@
           <a:lstStyle/>
           <a:p>
             <a:pPr algn="r"/>
-            <a:r>
-              <a:rPr lang="en-IN" sz="2400" dirty="0">
-                <a:latin typeface="Garamond" panose="02020404030301010803" pitchFamily="18" charset="0"/>
-              </a:rPr>
-              <a:t>Batch </a:t>
-            </a:r>
-            <a:r>
-              <a:rPr lang="en-IN" sz="2400" dirty="0" smtClean="0">
-                <a:latin typeface="Garamond" panose="02020404030301010803" pitchFamily="18" charset="0"/>
-              </a:rPr>
-              <a:t>2021</a:t>
-            </a:r>
-            <a:endParaRPr lang="en-IN" sz="2400" dirty="0">
+            <a:endParaRPr lang="en-IN" sz="2400" dirty="0" err="1" smtClean="0">
+              <a:latin typeface="Garamond" panose="02020404030301010803" pitchFamily="18" charset="0"/>
+            </a:endParaRPr>
+          </a:p>
+          <a:p>
+            <a:pPr algn="r"/>
+            <a:endParaRPr lang="en-IN" sz="2400" dirty="0" err="1" smtClean="0">
+              <a:latin typeface="Garamond" panose="02020404030301010803" pitchFamily="18" charset="0"/>
+            </a:endParaRPr>
+          </a:p>
+          <a:p>
+            <a:pPr algn="r"/>
+            <a:endParaRPr lang="en-IN" sz="2400" dirty="0" err="1" smtClean="0">
               <a:latin typeface="Garamond" panose="02020404030301010803" pitchFamily="18" charset="0"/>
             </a:endParaRPr>
           </a:p>
@@ -3564,43 +3564,7 @@
               <a:rPr lang="en-IN" sz="2400" dirty="0" smtClean="0">
                 <a:latin typeface="Garamond" panose="02020404030301010803" pitchFamily="18" charset="0"/>
               </a:rPr>
-              <a:t> Kumar (21BLC1387)</a:t>
-            </a:r>
-            <a:endParaRPr lang="en-IN" sz="2400" dirty="0" smtClean="0">
-              <a:latin typeface="Garamond" panose="02020404030301010803" pitchFamily="18" charset="0"/>
-            </a:endParaRPr>
-          </a:p>
-          <a:p>
-            <a:pPr algn="r"/>
-            <a:r>
-              <a:rPr lang="en-IN" sz="2400" dirty="0" err="1" smtClean="0">
-                <a:latin typeface="Garamond" panose="02020404030301010803" pitchFamily="18" charset="0"/>
-              </a:rPr>
-              <a:t>Sneha</a:t>
-            </a:r>
-            <a:r>
-              <a:rPr lang="en-IN" sz="2400" dirty="0" smtClean="0">
-                <a:latin typeface="Garamond" panose="02020404030301010803" pitchFamily="18" charset="0"/>
-              </a:rPr>
-              <a:t> Baby Mathew (21BLC1236)</a:t>
-            </a:r>
-            <a:endParaRPr lang="en-IN" sz="2400" dirty="0" smtClean="0">
-              <a:latin typeface="Garamond" panose="02020404030301010803" pitchFamily="18" charset="0"/>
-            </a:endParaRPr>
-          </a:p>
-          <a:p>
-            <a:pPr algn="r"/>
-            <a:r>
-              <a:rPr lang="en-IN" sz="2400" dirty="0" err="1" smtClean="0">
-                <a:latin typeface="Garamond" panose="02020404030301010803" pitchFamily="18" charset="0"/>
-              </a:rPr>
-              <a:t>Rohan</a:t>
-            </a:r>
-            <a:r>
-              <a:rPr lang="en-IN" sz="2400" dirty="0" smtClean="0">
-                <a:latin typeface="Garamond" panose="02020404030301010803" pitchFamily="18" charset="0"/>
-              </a:rPr>
-              <a:t> Raj (21BLC1073)</a:t>
+              <a:t> Kumar </a:t>
             </a:r>
             <a:endParaRPr lang="en-IN" sz="2400" dirty="0" smtClean="0">
               <a:latin typeface="Garamond" panose="02020404030301010803" pitchFamily="18" charset="0"/>
@@ -3632,94 +3596,14 @@
       </p:sp>
       <p:sp>
         <p:nvSpPr>
-          <p:cNvPr id="5" name="Footer Placeholder 4"/>
-          <p:cNvSpPr>
-            <a:spLocks noGrp="1"/>
-          </p:cNvSpPr>
-          <p:nvPr>
-            <p:ph type="ftr" sz="quarter" idx="11"/>
-          </p:nvPr>
+          <p:cNvPr id="10" name="TextBox 9"/>
+          <p:cNvSpPr txBox="1"/>
+          <p:nvPr/>
         </p:nvSpPr>
         <p:spPr>
           <a:xfrm>
-            <a:off x="2286000" y="6340035"/>
-            <a:ext cx="4800600" cy="365125"/>
-          </a:xfrm>
-        </p:spPr>
-        <p:txBody>
-          <a:bodyPr/>
-          <a:lstStyle/>
-          <a:p>
-            <a:pPr algn="ctr"/>
-            <a:r>
-              <a:rPr lang="en-IN" sz="1200" b="1" dirty="0" smtClean="0">
-                <a:solidFill>
-                  <a:srgbClr val="7030A0"/>
-                </a:solidFill>
-                <a:latin typeface="Garamond" panose="02020404030301010803" pitchFamily="18" charset="0"/>
-              </a:rPr>
-              <a:t>BCSE303L – Operating systems</a:t>
-            </a:r>
-            <a:endParaRPr lang="en-IN" sz="1200" b="1" dirty="0">
-              <a:solidFill>
-                <a:srgbClr val="7030A0"/>
-              </a:solidFill>
-              <a:latin typeface="Garamond" panose="02020404030301010803" pitchFamily="18" charset="0"/>
-            </a:endParaRPr>
-          </a:p>
-        </p:txBody>
-      </p:sp>
-      <p:pic>
-        <p:nvPicPr>
-          <p:cNvPr id="6" name="Picture 2" descr="Vellore Institute of Technology - Wikipedia"/>
-          <p:cNvPicPr>
-            <a:picLocks noChangeAspect="1" noChangeArrowheads="1"/>
-          </p:cNvPicPr>
-          <p:nvPr/>
-        </p:nvPicPr>
-        <p:blipFill>
-          <a:blip r:embed="rId1" cstate="print">
-            <a:extLst>
-              <a:ext uri="{28A0092B-C50C-407E-A947-70E740481C1C}">
-                <a14:useLocalDpi xmlns:a14="http://schemas.microsoft.com/office/drawing/2010/main" val="0"/>
-              </a:ext>
-            </a:extLst>
-          </a:blip>
-          <a:srcRect/>
-          <a:stretch>
-            <a:fillRect/>
-          </a:stretch>
-        </p:blipFill>
-        <p:spPr bwMode="auto">
-          <a:xfrm>
-            <a:off x="7131277" y="283682"/>
-            <a:ext cx="1603148" cy="1692473"/>
-          </a:xfrm>
-          <a:prstGeom prst="rect">
-            <a:avLst/>
-          </a:prstGeom>
-          <a:noFill/>
-          <a:extLst>
-            <a:ext uri="{909E8E84-426E-40DD-AFC4-6F175D3DCCD1}">
-              <a14:hiddenFill xmlns:a14="http://schemas.microsoft.com/office/drawing/2010/main">
-                <a:solidFill>
-                  <a:srgbClr val="FFFFFF"/>
-                </a:solidFill>
-              </a14:hiddenFill>
-            </a:ext>
-          </a:extLst>
-        </p:spPr>
-      </p:pic>
-      <p:sp>
-        <p:nvSpPr>
-          <p:cNvPr id="8" name="TextBox 7"/>
-          <p:cNvSpPr txBox="1"/>
-          <p:nvPr/>
-        </p:nvSpPr>
-        <p:spPr>
-          <a:xfrm>
-            <a:off x="1741339" y="-23354"/>
-            <a:ext cx="5330991" cy="1383665"/>
+            <a:off x="4146179" y="1837534"/>
+            <a:ext cx="259080" cy="460375"/>
           </a:xfrm>
           <a:prstGeom prst="rect">
             <a:avLst/>
@@ -3727,107 +3611,12 @@
           <a:noFill/>
         </p:spPr>
         <p:txBody>
-          <a:bodyPr wrap="square" rtlCol="0">
-            <a:spAutoFit/>
-          </a:bodyPr>
-          <a:lstStyle/>
-          <a:p>
-            <a:pPr algn="ctr"/>
-            <a:endParaRPr lang="en-IN" sz="2800" b="1" dirty="0">
-              <a:solidFill>
-                <a:srgbClr val="7030A0"/>
-              </a:solidFill>
-              <a:latin typeface="Garamond" panose="02020404030301010803" pitchFamily="18" charset="0"/>
-            </a:endParaRPr>
-          </a:p>
-          <a:p>
-            <a:pPr algn="ctr"/>
-            <a:r>
-              <a:rPr lang="en-IN" sz="2800" b="1" dirty="0" smtClean="0">
-                <a:solidFill>
-                  <a:srgbClr val="7030A0"/>
-                </a:solidFill>
-                <a:latin typeface="Garamond" panose="02020404030301010803" pitchFamily="18" charset="0"/>
-              </a:rPr>
-              <a:t>BCSE30</a:t>
-            </a:r>
-            <a:r>
-              <a:rPr lang="en-US" altLang="en-IN" sz="2800" b="1" dirty="0" smtClean="0">
-                <a:solidFill>
-                  <a:srgbClr val="7030A0"/>
-                </a:solidFill>
-                <a:latin typeface="Garamond" panose="02020404030301010803" pitchFamily="18" charset="0"/>
-              </a:rPr>
-              <a:t>3</a:t>
-            </a:r>
-            <a:r>
-              <a:rPr lang="en-IN" sz="2800" b="1" dirty="0" smtClean="0">
-                <a:solidFill>
-                  <a:srgbClr val="7030A0"/>
-                </a:solidFill>
-                <a:latin typeface="Garamond" panose="02020404030301010803" pitchFamily="18" charset="0"/>
-              </a:rPr>
-              <a:t>L</a:t>
-            </a:r>
-            <a:endParaRPr lang="en-IN" sz="2800" b="1" dirty="0">
-              <a:solidFill>
-                <a:srgbClr val="7030A0"/>
-              </a:solidFill>
-              <a:latin typeface="Garamond" panose="02020404030301010803" pitchFamily="18" charset="0"/>
-            </a:endParaRPr>
-          </a:p>
-          <a:p>
-            <a:pPr algn="ctr"/>
-            <a:r>
-              <a:rPr lang="en-IN" sz="2800" b="1" dirty="0" smtClean="0">
-                <a:solidFill>
-                  <a:srgbClr val="7030A0"/>
-                </a:solidFill>
-                <a:latin typeface="Garamond" panose="02020404030301010803" pitchFamily="18" charset="0"/>
-              </a:rPr>
-              <a:t>Operating Systems</a:t>
-            </a:r>
-            <a:endParaRPr lang="en-IN" sz="2800" b="1" dirty="0">
-              <a:solidFill>
-                <a:srgbClr val="7030A0"/>
-              </a:solidFill>
-              <a:latin typeface="Garamond" panose="02020404030301010803" pitchFamily="18" charset="0"/>
-            </a:endParaRPr>
-          </a:p>
-        </p:txBody>
-      </p:sp>
-      <p:sp>
-        <p:nvSpPr>
-          <p:cNvPr id="10" name="TextBox 9"/>
-          <p:cNvSpPr txBox="1"/>
-          <p:nvPr/>
-        </p:nvSpPr>
-        <p:spPr>
-          <a:xfrm>
-            <a:off x="2663739" y="1837534"/>
-            <a:ext cx="3223959" cy="461665"/>
-          </a:xfrm>
-          <a:prstGeom prst="rect">
-            <a:avLst/>
-          </a:prstGeom>
-          <a:noFill/>
-        </p:spPr>
-        <p:txBody>
           <a:bodyPr wrap="none" rtlCol="0">
             <a:spAutoFit/>
           </a:bodyPr>
           <a:lstStyle/>
           <a:p>
             <a:pPr algn="ctr"/>
-            <a:r>
-              <a:rPr lang="en-IN" sz="2400" b="1" dirty="0">
-                <a:solidFill>
-                  <a:srgbClr val="00B0F0"/>
-                </a:solidFill>
-                <a:latin typeface="Garamond" panose="02020404030301010803" pitchFamily="18" charset="0"/>
-              </a:rPr>
-              <a:t>Digital Assignment – </a:t>
-            </a:r>
             <a:r>
               <a:rPr lang="en-IN" sz="2400" b="1" dirty="0" smtClean="0">
                 <a:solidFill>
@@ -3835,7 +3624,7 @@
                 </a:solidFill>
                 <a:latin typeface="Garamond" panose="02020404030301010803" pitchFamily="18" charset="0"/>
               </a:rPr>
-              <a:t>2 </a:t>
+              <a:t> </a:t>
             </a:r>
             <a:endParaRPr lang="en-IN" sz="2400" b="1" dirty="0">
               <a:solidFill>
@@ -3980,28 +3769,6 @@
               <a:buNone/>
             </a:pPr>
             <a:endParaRPr lang="en-IN" dirty="0" smtClean="0"/>
-          </a:p>
-        </p:txBody>
-      </p:sp>
-      <p:sp>
-        <p:nvSpPr>
-          <p:cNvPr id="4" name="Date Placeholder 3"/>
-          <p:cNvSpPr>
-            <a:spLocks noGrp="1"/>
-          </p:cNvSpPr>
-          <p:nvPr>
-            <p:ph type="dt" sz="half" idx="10"/>
-          </p:nvPr>
-        </p:nvSpPr>
-        <p:spPr/>
-        <p:txBody>
-          <a:bodyPr/>
-          <a:lstStyle/>
-          <a:p>
-            <a:fld id="{9041E13A-E84E-4769-8BB6-1C6EE79B2988}" type="datetime1">
-              <a:rPr lang="en-US" smtClean="0"/>
-            </a:fld>
-            <a:endParaRPr lang="en-US"/>
           </a:p>
         </p:txBody>
       </p:sp>
@@ -4079,75 +3846,6 @@
           <a:effectLst/>
         </p:spPr>
       </p:pic>
-      <p:sp>
-        <p:nvSpPr>
-          <p:cNvPr id="8" name="Footer Placeholder 4"/>
-          <p:cNvSpPr txBox="1"/>
-          <p:nvPr/>
-        </p:nvSpPr>
-        <p:spPr>
-          <a:xfrm>
-            <a:off x="2286000" y="6340035"/>
-            <a:ext cx="4800600" cy="365125"/>
-          </a:xfrm>
-          <a:prstGeom prst="rect">
-            <a:avLst/>
-          </a:prstGeom>
-        </p:spPr>
-        <p:txBody>
-          <a:bodyPr vert="horz" lIns="91440" tIns="45720" rIns="91440" bIns="45720" rtlCol="0" anchor="ctr"/>
-          <a:lstStyle/>
-          <a:p>
-            <a:pPr marL="0" marR="0" lvl="0" indent="0" algn="ctr" defTabSz="914400" rtl="0" eaLnBrk="1" fontAlgn="auto" latinLnBrk="0" hangingPunct="1">
-              <a:lnSpc>
-                <a:spcPct val="100000"/>
-              </a:lnSpc>
-              <a:spcBef>
-                <a:spcPts val="0"/>
-              </a:spcBef>
-              <a:spcAft>
-                <a:spcPts val="0"/>
-              </a:spcAft>
-              <a:buClrTx/>
-              <a:buSzTx/>
-              <a:buFontTx/>
-              <a:buNone/>
-              <a:defRPr/>
-            </a:pPr>
-            <a:r>
-              <a:rPr kumimoji="0" lang="en-IN" sz="1200" b="1" i="0" u="none" strike="noStrike" kern="1200" cap="none" spc="0" normalizeH="0" baseline="0" noProof="0" smtClean="0">
-                <a:ln>
-                  <a:noFill/>
-                </a:ln>
-                <a:solidFill>
-                  <a:srgbClr val="7030A0"/>
-                </a:solidFill>
-                <a:effectLst/>
-                <a:uLnTx/>
-                <a:uFillTx/>
-                <a:latin typeface="Garamond" panose="02020404030301010803" pitchFamily="18" charset="0"/>
-                <a:ea typeface="+mn-ea"/>
-                <a:cs typeface="+mn-cs"/>
-              </a:rPr>
-              <a:t>BCSE303L – Operating systems</a:t>
-            </a:r>
-            <a:endParaRPr kumimoji="0" lang="en-IN" sz="1200" b="1" i="0" u="none" strike="noStrike" kern="1200" cap="none" spc="0" normalizeH="0" baseline="0" noProof="0" dirty="0">
-              <a:ln>
-                <a:noFill/>
-              </a:ln>
-              <a:solidFill>
-                <a:srgbClr val="7030A0"/>
-              </a:solidFill>
-              <a:effectLst/>
-              <a:uLnTx/>
-              <a:uFillTx/>
-              <a:latin typeface="Garamond" panose="02020404030301010803" pitchFamily="18" charset="0"/>
-              <a:ea typeface="+mn-ea"/>
-              <a:cs typeface="+mn-cs"/>
-            </a:endParaRPr>
-          </a:p>
-        </p:txBody>
-      </p:sp>
     </p:spTree>
   </p:cSld>
   <p:clrMapOvr>
@@ -4241,28 +3939,6 @@
               <a:buNone/>
             </a:pPr>
             <a:endParaRPr lang="en-IN" dirty="0" smtClean="0"/>
-          </a:p>
-        </p:txBody>
-      </p:sp>
-      <p:sp>
-        <p:nvSpPr>
-          <p:cNvPr id="4" name="Date Placeholder 3"/>
-          <p:cNvSpPr>
-            <a:spLocks noGrp="1"/>
-          </p:cNvSpPr>
-          <p:nvPr>
-            <p:ph type="dt" sz="half" idx="10"/>
-          </p:nvPr>
-        </p:nvSpPr>
-        <p:spPr/>
-        <p:txBody>
-          <a:bodyPr/>
-          <a:lstStyle/>
-          <a:p>
-            <a:fld id="{9041E13A-E84E-4769-8BB6-1C6EE79B2988}" type="datetime1">
-              <a:rPr lang="en-US" smtClean="0"/>
-            </a:fld>
-            <a:endParaRPr lang="en-US"/>
           </a:p>
         </p:txBody>
       </p:sp>
@@ -4340,75 +4016,6 @@
           <a:effectLst/>
         </p:spPr>
       </p:pic>
-      <p:sp>
-        <p:nvSpPr>
-          <p:cNvPr id="8" name="Footer Placeholder 4"/>
-          <p:cNvSpPr txBox="1"/>
-          <p:nvPr/>
-        </p:nvSpPr>
-        <p:spPr>
-          <a:xfrm>
-            <a:off x="2286000" y="6340035"/>
-            <a:ext cx="4800600" cy="365125"/>
-          </a:xfrm>
-          <a:prstGeom prst="rect">
-            <a:avLst/>
-          </a:prstGeom>
-        </p:spPr>
-        <p:txBody>
-          <a:bodyPr vert="horz" lIns="91440" tIns="45720" rIns="91440" bIns="45720" rtlCol="0" anchor="ctr"/>
-          <a:lstStyle/>
-          <a:p>
-            <a:pPr marL="0" marR="0" lvl="0" indent="0" algn="ctr" defTabSz="914400" rtl="0" eaLnBrk="1" fontAlgn="auto" latinLnBrk="0" hangingPunct="1">
-              <a:lnSpc>
-                <a:spcPct val="100000"/>
-              </a:lnSpc>
-              <a:spcBef>
-                <a:spcPts val="0"/>
-              </a:spcBef>
-              <a:spcAft>
-                <a:spcPts val="0"/>
-              </a:spcAft>
-              <a:buClrTx/>
-              <a:buSzTx/>
-              <a:buFontTx/>
-              <a:buNone/>
-              <a:defRPr/>
-            </a:pPr>
-            <a:r>
-              <a:rPr kumimoji="0" lang="en-IN" sz="1200" b="1" i="0" u="none" strike="noStrike" kern="1200" cap="none" spc="0" normalizeH="0" baseline="0" noProof="0" smtClean="0">
-                <a:ln>
-                  <a:noFill/>
-                </a:ln>
-                <a:solidFill>
-                  <a:srgbClr val="7030A0"/>
-                </a:solidFill>
-                <a:effectLst/>
-                <a:uLnTx/>
-                <a:uFillTx/>
-                <a:latin typeface="Garamond" panose="02020404030301010803" pitchFamily="18" charset="0"/>
-                <a:ea typeface="+mn-ea"/>
-                <a:cs typeface="+mn-cs"/>
-              </a:rPr>
-              <a:t>BCSE303L – Operating systems</a:t>
-            </a:r>
-            <a:endParaRPr kumimoji="0" lang="en-IN" sz="1200" b="1" i="0" u="none" strike="noStrike" kern="1200" cap="none" spc="0" normalizeH="0" baseline="0" noProof="0" dirty="0">
-              <a:ln>
-                <a:noFill/>
-              </a:ln>
-              <a:solidFill>
-                <a:srgbClr val="7030A0"/>
-              </a:solidFill>
-              <a:effectLst/>
-              <a:uLnTx/>
-              <a:uFillTx/>
-              <a:latin typeface="Garamond" panose="02020404030301010803" pitchFamily="18" charset="0"/>
-              <a:ea typeface="+mn-ea"/>
-              <a:cs typeface="+mn-cs"/>
-            </a:endParaRPr>
-          </a:p>
-        </p:txBody>
-      </p:sp>
     </p:spTree>
   </p:cSld>
   <p:clrMapOvr>
@@ -4631,28 +4238,6 @@
       </p:sp>
       <p:sp>
         <p:nvSpPr>
-          <p:cNvPr id="4" name="Date Placeholder 3"/>
-          <p:cNvSpPr>
-            <a:spLocks noGrp="1"/>
-          </p:cNvSpPr>
-          <p:nvPr>
-            <p:ph type="dt" sz="half" idx="10"/>
-          </p:nvPr>
-        </p:nvSpPr>
-        <p:spPr/>
-        <p:txBody>
-          <a:bodyPr/>
-          <a:lstStyle/>
-          <a:p>
-            <a:fld id="{9041E13A-E84E-4769-8BB6-1C6EE79B2988}" type="datetime1">
-              <a:rPr lang="en-US" smtClean="0"/>
-            </a:fld>
-            <a:endParaRPr lang="en-US"/>
-          </a:p>
-        </p:txBody>
-      </p:sp>
-      <p:sp>
-        <p:nvSpPr>
           <p:cNvPr id="5" name="Rectangle 4"/>
           <p:cNvSpPr/>
           <p:nvPr/>
@@ -4689,75 +4274,6 @@
           <a:p>
             <a:pPr algn="ctr"/>
             <a:endParaRPr lang="en-IN"/>
-          </a:p>
-        </p:txBody>
-      </p:sp>
-      <p:sp>
-        <p:nvSpPr>
-          <p:cNvPr id="8" name="Footer Placeholder 4"/>
-          <p:cNvSpPr txBox="1"/>
-          <p:nvPr/>
-        </p:nvSpPr>
-        <p:spPr>
-          <a:xfrm>
-            <a:off x="2286000" y="6340035"/>
-            <a:ext cx="4800600" cy="365125"/>
-          </a:xfrm>
-          <a:prstGeom prst="rect">
-            <a:avLst/>
-          </a:prstGeom>
-        </p:spPr>
-        <p:txBody>
-          <a:bodyPr vert="horz" lIns="91440" tIns="45720" rIns="91440" bIns="45720" rtlCol="0" anchor="ctr"/>
-          <a:lstStyle/>
-          <a:p>
-            <a:pPr marL="0" marR="0" lvl="0" indent="0" algn="ctr" defTabSz="914400" rtl="0" eaLnBrk="1" fontAlgn="auto" latinLnBrk="0" hangingPunct="1">
-              <a:lnSpc>
-                <a:spcPct val="100000"/>
-              </a:lnSpc>
-              <a:spcBef>
-                <a:spcPts val="0"/>
-              </a:spcBef>
-              <a:spcAft>
-                <a:spcPts val="0"/>
-              </a:spcAft>
-              <a:buClrTx/>
-              <a:buSzTx/>
-              <a:buFontTx/>
-              <a:buNone/>
-              <a:defRPr/>
-            </a:pPr>
-            <a:r>
-              <a:rPr kumimoji="0" lang="en-IN" sz="1200" b="1" i="0" u="none" strike="noStrike" kern="1200" cap="none" spc="0" normalizeH="0" baseline="0" noProof="0" smtClean="0">
-                <a:ln>
-                  <a:noFill/>
-                </a:ln>
-                <a:solidFill>
-                  <a:srgbClr val="7030A0"/>
-                </a:solidFill>
-                <a:effectLst/>
-                <a:uLnTx/>
-                <a:uFillTx/>
-                <a:latin typeface="Garamond" panose="02020404030301010803" pitchFamily="18" charset="0"/>
-                <a:ea typeface="+mn-ea"/>
-                <a:cs typeface="+mn-cs"/>
-              </a:rPr>
-              <a:t>BCSE303L – Operating systems</a:t>
-            </a:r>
-            <a:endParaRPr kumimoji="0" lang="en-IN" sz="1200" b="1" i="0" u="none" strike="noStrike" kern="1200" cap="none" spc="0" normalizeH="0" baseline="0" noProof="0" dirty="0">
-              <a:ln>
-                <a:noFill/>
-              </a:ln>
-              <a:solidFill>
-                <a:srgbClr val="7030A0"/>
-              </a:solidFill>
-              <a:effectLst/>
-              <a:uLnTx/>
-              <a:uFillTx/>
-              <a:latin typeface="Garamond" panose="02020404030301010803" pitchFamily="18" charset="0"/>
-              <a:ea typeface="+mn-ea"/>
-              <a:cs typeface="+mn-cs"/>
-            </a:endParaRPr>
           </a:p>
         </p:txBody>
       </p:sp>
@@ -4981,28 +4497,6 @@
       </p:sp>
       <p:sp>
         <p:nvSpPr>
-          <p:cNvPr id="4" name="Date Placeholder 3"/>
-          <p:cNvSpPr>
-            <a:spLocks noGrp="1"/>
-          </p:cNvSpPr>
-          <p:nvPr>
-            <p:ph type="dt" sz="half" idx="10"/>
-          </p:nvPr>
-        </p:nvSpPr>
-        <p:spPr/>
-        <p:txBody>
-          <a:bodyPr/>
-          <a:lstStyle/>
-          <a:p>
-            <a:fld id="{9041E13A-E84E-4769-8BB6-1C6EE79B2988}" type="datetime1">
-              <a:rPr lang="en-US" smtClean="0"/>
-            </a:fld>
-            <a:endParaRPr lang="en-US"/>
-          </a:p>
-        </p:txBody>
-      </p:sp>
-      <p:sp>
-        <p:nvSpPr>
           <p:cNvPr id="5" name="Rectangle 4"/>
           <p:cNvSpPr/>
           <p:nvPr/>
@@ -5039,75 +4533,6 @@
           <a:p>
             <a:pPr algn="ctr"/>
             <a:endParaRPr lang="en-IN"/>
-          </a:p>
-        </p:txBody>
-      </p:sp>
-      <p:sp>
-        <p:nvSpPr>
-          <p:cNvPr id="8" name="Footer Placeholder 4"/>
-          <p:cNvSpPr txBox="1"/>
-          <p:nvPr/>
-        </p:nvSpPr>
-        <p:spPr>
-          <a:xfrm>
-            <a:off x="2286000" y="6340035"/>
-            <a:ext cx="4800600" cy="365125"/>
-          </a:xfrm>
-          <a:prstGeom prst="rect">
-            <a:avLst/>
-          </a:prstGeom>
-        </p:spPr>
-        <p:txBody>
-          <a:bodyPr vert="horz" lIns="91440" tIns="45720" rIns="91440" bIns="45720" rtlCol="0" anchor="ctr"/>
-          <a:lstStyle/>
-          <a:p>
-            <a:pPr marL="0" marR="0" lvl="0" indent="0" algn="ctr" defTabSz="914400" rtl="0" eaLnBrk="1" fontAlgn="auto" latinLnBrk="0" hangingPunct="1">
-              <a:lnSpc>
-                <a:spcPct val="100000"/>
-              </a:lnSpc>
-              <a:spcBef>
-                <a:spcPts val="0"/>
-              </a:spcBef>
-              <a:spcAft>
-                <a:spcPts val="0"/>
-              </a:spcAft>
-              <a:buClrTx/>
-              <a:buSzTx/>
-              <a:buFontTx/>
-              <a:buNone/>
-              <a:defRPr/>
-            </a:pPr>
-            <a:r>
-              <a:rPr kumimoji="0" lang="en-IN" sz="1200" b="1" i="0" u="none" strike="noStrike" kern="1200" cap="none" spc="0" normalizeH="0" baseline="0" noProof="0" smtClean="0">
-                <a:ln>
-                  <a:noFill/>
-                </a:ln>
-                <a:solidFill>
-                  <a:srgbClr val="7030A0"/>
-                </a:solidFill>
-                <a:effectLst/>
-                <a:uLnTx/>
-                <a:uFillTx/>
-                <a:latin typeface="Garamond" panose="02020404030301010803" pitchFamily="18" charset="0"/>
-                <a:ea typeface="+mn-ea"/>
-                <a:cs typeface="+mn-cs"/>
-              </a:rPr>
-              <a:t>BCSE303L – Operating systems</a:t>
-            </a:r>
-            <a:endParaRPr kumimoji="0" lang="en-IN" sz="1200" b="1" i="0" u="none" strike="noStrike" kern="1200" cap="none" spc="0" normalizeH="0" baseline="0" noProof="0" dirty="0">
-              <a:ln>
-                <a:noFill/>
-              </a:ln>
-              <a:solidFill>
-                <a:srgbClr val="7030A0"/>
-              </a:solidFill>
-              <a:effectLst/>
-              <a:uLnTx/>
-              <a:uFillTx/>
-              <a:latin typeface="Garamond" panose="02020404030301010803" pitchFamily="18" charset="0"/>
-              <a:ea typeface="+mn-ea"/>
-              <a:cs typeface="+mn-cs"/>
-            </a:endParaRPr>
           </a:p>
         </p:txBody>
       </p:sp>
@@ -5280,28 +4705,6 @@
       </p:sp>
       <p:sp>
         <p:nvSpPr>
-          <p:cNvPr id="4" name="Date Placeholder 3"/>
-          <p:cNvSpPr>
-            <a:spLocks noGrp="1"/>
-          </p:cNvSpPr>
-          <p:nvPr>
-            <p:ph type="dt" sz="half" idx="10"/>
-          </p:nvPr>
-        </p:nvSpPr>
-        <p:spPr/>
-        <p:txBody>
-          <a:bodyPr/>
-          <a:lstStyle/>
-          <a:p>
-            <a:fld id="{9041E13A-E84E-4769-8BB6-1C6EE79B2988}" type="datetime1">
-              <a:rPr lang="en-US" smtClean="0"/>
-            </a:fld>
-            <a:endParaRPr lang="en-US"/>
-          </a:p>
-        </p:txBody>
-      </p:sp>
-      <p:sp>
-        <p:nvSpPr>
           <p:cNvPr id="5" name="Rectangle 4"/>
           <p:cNvSpPr/>
           <p:nvPr/>
@@ -5338,75 +4741,6 @@
           <a:p>
             <a:pPr algn="ctr"/>
             <a:endParaRPr lang="en-IN"/>
-          </a:p>
-        </p:txBody>
-      </p:sp>
-      <p:sp>
-        <p:nvSpPr>
-          <p:cNvPr id="8" name="Footer Placeholder 4"/>
-          <p:cNvSpPr txBox="1"/>
-          <p:nvPr/>
-        </p:nvSpPr>
-        <p:spPr>
-          <a:xfrm>
-            <a:off x="2286000" y="6340035"/>
-            <a:ext cx="4800600" cy="365125"/>
-          </a:xfrm>
-          <a:prstGeom prst="rect">
-            <a:avLst/>
-          </a:prstGeom>
-        </p:spPr>
-        <p:txBody>
-          <a:bodyPr vert="horz" lIns="91440" tIns="45720" rIns="91440" bIns="45720" rtlCol="0" anchor="ctr"/>
-          <a:lstStyle/>
-          <a:p>
-            <a:pPr marL="0" marR="0" lvl="0" indent="0" algn="ctr" defTabSz="914400" rtl="0" eaLnBrk="1" fontAlgn="auto" latinLnBrk="0" hangingPunct="1">
-              <a:lnSpc>
-                <a:spcPct val="100000"/>
-              </a:lnSpc>
-              <a:spcBef>
-                <a:spcPts val="0"/>
-              </a:spcBef>
-              <a:spcAft>
-                <a:spcPts val="0"/>
-              </a:spcAft>
-              <a:buClrTx/>
-              <a:buSzTx/>
-              <a:buFontTx/>
-              <a:buNone/>
-              <a:defRPr/>
-            </a:pPr>
-            <a:r>
-              <a:rPr kumimoji="0" lang="en-IN" sz="1200" b="1" i="0" u="none" strike="noStrike" kern="1200" cap="none" spc="0" normalizeH="0" baseline="0" noProof="0" smtClean="0">
-                <a:ln>
-                  <a:noFill/>
-                </a:ln>
-                <a:solidFill>
-                  <a:srgbClr val="7030A0"/>
-                </a:solidFill>
-                <a:effectLst/>
-                <a:uLnTx/>
-                <a:uFillTx/>
-                <a:latin typeface="Garamond" panose="02020404030301010803" pitchFamily="18" charset="0"/>
-                <a:ea typeface="+mn-ea"/>
-                <a:cs typeface="+mn-cs"/>
-              </a:rPr>
-              <a:t>BCSE303L – Operating systems</a:t>
-            </a:r>
-            <a:endParaRPr kumimoji="0" lang="en-IN" sz="1200" b="1" i="0" u="none" strike="noStrike" kern="1200" cap="none" spc="0" normalizeH="0" baseline="0" noProof="0" dirty="0">
-              <a:ln>
-                <a:noFill/>
-              </a:ln>
-              <a:solidFill>
-                <a:srgbClr val="7030A0"/>
-              </a:solidFill>
-              <a:effectLst/>
-              <a:uLnTx/>
-              <a:uFillTx/>
-              <a:latin typeface="Garamond" panose="02020404030301010803" pitchFamily="18" charset="0"/>
-              <a:ea typeface="+mn-ea"/>
-              <a:cs typeface="+mn-cs"/>
-            </a:endParaRPr>
           </a:p>
         </p:txBody>
       </p:sp>
@@ -5536,28 +4870,6 @@
       </p:sp>
       <p:sp>
         <p:nvSpPr>
-          <p:cNvPr id="4" name="Date Placeholder 3"/>
-          <p:cNvSpPr>
-            <a:spLocks noGrp="1"/>
-          </p:cNvSpPr>
-          <p:nvPr>
-            <p:ph type="dt" sz="half" idx="10"/>
-          </p:nvPr>
-        </p:nvSpPr>
-        <p:spPr/>
-        <p:txBody>
-          <a:bodyPr/>
-          <a:lstStyle/>
-          <a:p>
-            <a:fld id="{EAD5C9CF-BBB3-4153-850D-B75ECF6A1AA8}" type="datetime1">
-              <a:rPr lang="en-US" smtClean="0"/>
-            </a:fld>
-            <a:endParaRPr lang="en-US"/>
-          </a:p>
-        </p:txBody>
-      </p:sp>
-      <p:sp>
-        <p:nvSpPr>
           <p:cNvPr id="6" name="Rectangle 5"/>
           <p:cNvSpPr/>
           <p:nvPr/>
@@ -5594,75 +4906,6 @@
           <a:p>
             <a:pPr algn="ctr"/>
             <a:endParaRPr lang="en-IN"/>
-          </a:p>
-        </p:txBody>
-      </p:sp>
-      <p:sp>
-        <p:nvSpPr>
-          <p:cNvPr id="7" name="Footer Placeholder 4"/>
-          <p:cNvSpPr txBox="1"/>
-          <p:nvPr/>
-        </p:nvSpPr>
-        <p:spPr>
-          <a:xfrm>
-            <a:off x="2286000" y="6340035"/>
-            <a:ext cx="4800600" cy="365125"/>
-          </a:xfrm>
-          <a:prstGeom prst="rect">
-            <a:avLst/>
-          </a:prstGeom>
-        </p:spPr>
-        <p:txBody>
-          <a:bodyPr vert="horz" lIns="91440" tIns="45720" rIns="91440" bIns="45720" rtlCol="0" anchor="ctr"/>
-          <a:lstStyle/>
-          <a:p>
-            <a:pPr marL="0" marR="0" lvl="0" indent="0" algn="ctr" defTabSz="914400" rtl="0" eaLnBrk="1" fontAlgn="auto" latinLnBrk="0" hangingPunct="1">
-              <a:lnSpc>
-                <a:spcPct val="100000"/>
-              </a:lnSpc>
-              <a:spcBef>
-                <a:spcPts val="0"/>
-              </a:spcBef>
-              <a:spcAft>
-                <a:spcPts val="0"/>
-              </a:spcAft>
-              <a:buClrTx/>
-              <a:buSzTx/>
-              <a:buFontTx/>
-              <a:buNone/>
-              <a:defRPr/>
-            </a:pPr>
-            <a:r>
-              <a:rPr kumimoji="0" lang="en-IN" sz="1200" b="1" i="0" u="none" strike="noStrike" kern="1200" cap="none" spc="0" normalizeH="0" baseline="0" noProof="0" smtClean="0">
-                <a:ln>
-                  <a:noFill/>
-                </a:ln>
-                <a:solidFill>
-                  <a:srgbClr val="7030A0"/>
-                </a:solidFill>
-                <a:effectLst/>
-                <a:uLnTx/>
-                <a:uFillTx/>
-                <a:latin typeface="Garamond" panose="02020404030301010803" pitchFamily="18" charset="0"/>
-                <a:ea typeface="+mn-ea"/>
-                <a:cs typeface="+mn-cs"/>
-              </a:rPr>
-              <a:t>BCSE303L – Operating systems</a:t>
-            </a:r>
-            <a:endParaRPr kumimoji="0" lang="en-IN" sz="1200" b="1" i="0" u="none" strike="noStrike" kern="1200" cap="none" spc="0" normalizeH="0" baseline="0" noProof="0" dirty="0">
-              <a:ln>
-                <a:noFill/>
-              </a:ln>
-              <a:solidFill>
-                <a:srgbClr val="7030A0"/>
-              </a:solidFill>
-              <a:effectLst/>
-              <a:uLnTx/>
-              <a:uFillTx/>
-              <a:latin typeface="Garamond" panose="02020404030301010803" pitchFamily="18" charset="0"/>
-              <a:ea typeface="+mn-ea"/>
-              <a:cs typeface="+mn-cs"/>
-            </a:endParaRPr>
           </a:p>
         </p:txBody>
       </p:sp>
@@ -5828,75 +5071,6 @@
           </a:p>
         </p:txBody>
       </p:sp>
-      <p:sp>
-        <p:nvSpPr>
-          <p:cNvPr id="9" name="Footer Placeholder 4"/>
-          <p:cNvSpPr txBox="1"/>
-          <p:nvPr/>
-        </p:nvSpPr>
-        <p:spPr>
-          <a:xfrm>
-            <a:off x="2286000" y="6340035"/>
-            <a:ext cx="4800600" cy="365125"/>
-          </a:xfrm>
-          <a:prstGeom prst="rect">
-            <a:avLst/>
-          </a:prstGeom>
-        </p:spPr>
-        <p:txBody>
-          <a:bodyPr vert="horz" lIns="91440" tIns="45720" rIns="91440" bIns="45720" rtlCol="0" anchor="ctr"/>
-          <a:lstStyle/>
-          <a:p>
-            <a:pPr marL="0" marR="0" lvl="0" indent="0" algn="ctr" defTabSz="914400" rtl="0" eaLnBrk="1" fontAlgn="auto" latinLnBrk="0" hangingPunct="1">
-              <a:lnSpc>
-                <a:spcPct val="100000"/>
-              </a:lnSpc>
-              <a:spcBef>
-                <a:spcPts val="0"/>
-              </a:spcBef>
-              <a:spcAft>
-                <a:spcPts val="0"/>
-              </a:spcAft>
-              <a:buClrTx/>
-              <a:buSzTx/>
-              <a:buFontTx/>
-              <a:buNone/>
-              <a:defRPr/>
-            </a:pPr>
-            <a:r>
-              <a:rPr kumimoji="0" lang="en-IN" sz="1200" b="1" i="0" u="none" strike="noStrike" kern="1200" cap="none" spc="0" normalizeH="0" baseline="0" noProof="0" smtClean="0">
-                <a:ln>
-                  <a:noFill/>
-                </a:ln>
-                <a:solidFill>
-                  <a:srgbClr val="7030A0"/>
-                </a:solidFill>
-                <a:effectLst/>
-                <a:uLnTx/>
-                <a:uFillTx/>
-                <a:latin typeface="Garamond" panose="02020404030301010803" pitchFamily="18" charset="0"/>
-                <a:ea typeface="+mn-ea"/>
-                <a:cs typeface="+mn-cs"/>
-              </a:rPr>
-              <a:t>BCSE303L – Operating systems</a:t>
-            </a:r>
-            <a:endParaRPr kumimoji="0" lang="en-IN" sz="1200" b="1" i="0" u="none" strike="noStrike" kern="1200" cap="none" spc="0" normalizeH="0" baseline="0" noProof="0" dirty="0">
-              <a:ln>
-                <a:noFill/>
-              </a:ln>
-              <a:solidFill>
-                <a:srgbClr val="7030A0"/>
-              </a:solidFill>
-              <a:effectLst/>
-              <a:uLnTx/>
-              <a:uFillTx/>
-              <a:latin typeface="Garamond" panose="02020404030301010803" pitchFamily="18" charset="0"/>
-              <a:ea typeface="+mn-ea"/>
-              <a:cs typeface="+mn-cs"/>
-            </a:endParaRPr>
-          </a:p>
-        </p:txBody>
-      </p:sp>
     </p:spTree>
   </p:cSld>
   <p:clrMapOvr>
@@ -6193,75 +5367,6 @@
           </a:p>
         </p:txBody>
       </p:sp>
-      <p:sp>
-        <p:nvSpPr>
-          <p:cNvPr id="9" name="Footer Placeholder 4"/>
-          <p:cNvSpPr txBox="1"/>
-          <p:nvPr/>
-        </p:nvSpPr>
-        <p:spPr>
-          <a:xfrm>
-            <a:off x="2286000" y="6340035"/>
-            <a:ext cx="4800600" cy="365125"/>
-          </a:xfrm>
-          <a:prstGeom prst="rect">
-            <a:avLst/>
-          </a:prstGeom>
-        </p:spPr>
-        <p:txBody>
-          <a:bodyPr vert="horz" lIns="91440" tIns="45720" rIns="91440" bIns="45720" rtlCol="0" anchor="ctr"/>
-          <a:lstStyle/>
-          <a:p>
-            <a:pPr marL="0" marR="0" lvl="0" indent="0" algn="ctr" defTabSz="914400" rtl="0" eaLnBrk="1" fontAlgn="auto" latinLnBrk="0" hangingPunct="1">
-              <a:lnSpc>
-                <a:spcPct val="100000"/>
-              </a:lnSpc>
-              <a:spcBef>
-                <a:spcPts val="0"/>
-              </a:spcBef>
-              <a:spcAft>
-                <a:spcPts val="0"/>
-              </a:spcAft>
-              <a:buClrTx/>
-              <a:buSzTx/>
-              <a:buFontTx/>
-              <a:buNone/>
-              <a:defRPr/>
-            </a:pPr>
-            <a:r>
-              <a:rPr kumimoji="0" lang="en-IN" sz="1200" b="1" i="0" u="none" strike="noStrike" kern="1200" cap="none" spc="0" normalizeH="0" baseline="0" noProof="0" smtClean="0">
-                <a:ln>
-                  <a:noFill/>
-                </a:ln>
-                <a:solidFill>
-                  <a:srgbClr val="7030A0"/>
-                </a:solidFill>
-                <a:effectLst/>
-                <a:uLnTx/>
-                <a:uFillTx/>
-                <a:latin typeface="Garamond" panose="02020404030301010803" pitchFamily="18" charset="0"/>
-                <a:ea typeface="+mn-ea"/>
-                <a:cs typeface="+mn-cs"/>
-              </a:rPr>
-              <a:t>BCSE303L – Operating systems</a:t>
-            </a:r>
-            <a:endParaRPr kumimoji="0" lang="en-IN" sz="1200" b="1" i="0" u="none" strike="noStrike" kern="1200" cap="none" spc="0" normalizeH="0" baseline="0" noProof="0" dirty="0">
-              <a:ln>
-                <a:noFill/>
-              </a:ln>
-              <a:solidFill>
-                <a:srgbClr val="7030A0"/>
-              </a:solidFill>
-              <a:effectLst/>
-              <a:uLnTx/>
-              <a:uFillTx/>
-              <a:latin typeface="Garamond" panose="02020404030301010803" pitchFamily="18" charset="0"/>
-              <a:ea typeface="+mn-ea"/>
-              <a:cs typeface="+mn-cs"/>
-            </a:endParaRPr>
-          </a:p>
-        </p:txBody>
-      </p:sp>
     </p:spTree>
   </p:cSld>
   <p:clrMapOvr>
@@ -6358,28 +5463,6 @@
       </p:sp>
       <p:sp>
         <p:nvSpPr>
-          <p:cNvPr id="4" name="Date Placeholder 3"/>
-          <p:cNvSpPr>
-            <a:spLocks noGrp="1"/>
-          </p:cNvSpPr>
-          <p:nvPr>
-            <p:ph type="dt" sz="half" idx="10"/>
-          </p:nvPr>
-        </p:nvSpPr>
-        <p:spPr/>
-        <p:txBody>
-          <a:bodyPr/>
-          <a:lstStyle/>
-          <a:p>
-            <a:fld id="{9041E13A-E84E-4769-8BB6-1C6EE79B2988}" type="datetime1">
-              <a:rPr lang="en-US" smtClean="0"/>
-            </a:fld>
-            <a:endParaRPr lang="en-US"/>
-          </a:p>
-        </p:txBody>
-      </p:sp>
-      <p:sp>
-        <p:nvSpPr>
           <p:cNvPr id="5" name="Rectangle 4"/>
           <p:cNvSpPr/>
           <p:nvPr/>
@@ -6540,75 +5623,6 @@
               <a:t> unblocked by lower-priority ASI/MET task.</a:t>
             </a:r>
             <a:endParaRPr lang="en-US" sz="2400" dirty="0"/>
-          </a:p>
-        </p:txBody>
-      </p:sp>
-      <p:sp>
-        <p:nvSpPr>
-          <p:cNvPr id="9" name="Footer Placeholder 4"/>
-          <p:cNvSpPr txBox="1"/>
-          <p:nvPr/>
-        </p:nvSpPr>
-        <p:spPr>
-          <a:xfrm>
-            <a:off x="2286000" y="6340035"/>
-            <a:ext cx="4800600" cy="365125"/>
-          </a:xfrm>
-          <a:prstGeom prst="rect">
-            <a:avLst/>
-          </a:prstGeom>
-        </p:spPr>
-        <p:txBody>
-          <a:bodyPr vert="horz" lIns="91440" tIns="45720" rIns="91440" bIns="45720" rtlCol="0" anchor="ctr"/>
-          <a:lstStyle/>
-          <a:p>
-            <a:pPr marL="0" marR="0" lvl="0" indent="0" algn="ctr" defTabSz="914400" rtl="0" eaLnBrk="1" fontAlgn="auto" latinLnBrk="0" hangingPunct="1">
-              <a:lnSpc>
-                <a:spcPct val="100000"/>
-              </a:lnSpc>
-              <a:spcBef>
-                <a:spcPts val="0"/>
-              </a:spcBef>
-              <a:spcAft>
-                <a:spcPts val="0"/>
-              </a:spcAft>
-              <a:buClrTx/>
-              <a:buSzTx/>
-              <a:buFontTx/>
-              <a:buNone/>
-              <a:defRPr/>
-            </a:pPr>
-            <a:r>
-              <a:rPr kumimoji="0" lang="en-IN" sz="1200" b="1" i="0" u="none" strike="noStrike" kern="1200" cap="none" spc="0" normalizeH="0" baseline="0" noProof="0" smtClean="0">
-                <a:ln>
-                  <a:noFill/>
-                </a:ln>
-                <a:solidFill>
-                  <a:srgbClr val="7030A0"/>
-                </a:solidFill>
-                <a:effectLst/>
-                <a:uLnTx/>
-                <a:uFillTx/>
-                <a:latin typeface="Garamond" panose="02020404030301010803" pitchFamily="18" charset="0"/>
-                <a:ea typeface="+mn-ea"/>
-                <a:cs typeface="+mn-cs"/>
-              </a:rPr>
-              <a:t>BCSE303L – Operating systems</a:t>
-            </a:r>
-            <a:endParaRPr kumimoji="0" lang="en-IN" sz="1200" b="1" i="0" u="none" strike="noStrike" kern="1200" cap="none" spc="0" normalizeH="0" baseline="0" noProof="0" dirty="0">
-              <a:ln>
-                <a:noFill/>
-              </a:ln>
-              <a:solidFill>
-                <a:srgbClr val="7030A0"/>
-              </a:solidFill>
-              <a:effectLst/>
-              <a:uLnTx/>
-              <a:uFillTx/>
-              <a:latin typeface="Garamond" panose="02020404030301010803" pitchFamily="18" charset="0"/>
-              <a:ea typeface="+mn-ea"/>
-              <a:cs typeface="+mn-cs"/>
-            </a:endParaRPr>
           </a:p>
         </p:txBody>
       </p:sp>
@@ -6707,28 +5721,6 @@
       </p:sp>
       <p:sp>
         <p:nvSpPr>
-          <p:cNvPr id="4" name="Date Placeholder 3"/>
-          <p:cNvSpPr>
-            <a:spLocks noGrp="1"/>
-          </p:cNvSpPr>
-          <p:nvPr>
-            <p:ph type="dt" sz="half" idx="10"/>
-          </p:nvPr>
-        </p:nvSpPr>
-        <p:spPr/>
-        <p:txBody>
-          <a:bodyPr/>
-          <a:lstStyle/>
-          <a:p>
-            <a:fld id="{9041E13A-E84E-4769-8BB6-1C6EE79B2988}" type="datetime1">
-              <a:rPr lang="en-US" smtClean="0"/>
-            </a:fld>
-            <a:endParaRPr lang="en-US"/>
-          </a:p>
-        </p:txBody>
-      </p:sp>
-      <p:sp>
-        <p:nvSpPr>
           <p:cNvPr id="5" name="Rectangle 4"/>
           <p:cNvSpPr/>
           <p:nvPr/>
@@ -6836,75 +5828,6 @@
               <a:t>Priority inheritance solves the priority inversion problem.</a:t>
             </a:r>
             <a:endParaRPr lang="en-US" sz="2800" b="1" dirty="0"/>
-          </a:p>
-        </p:txBody>
-      </p:sp>
-      <p:sp>
-        <p:nvSpPr>
-          <p:cNvPr id="9" name="Footer Placeholder 4"/>
-          <p:cNvSpPr txBox="1"/>
-          <p:nvPr/>
-        </p:nvSpPr>
-        <p:spPr>
-          <a:xfrm>
-            <a:off x="2286000" y="6357958"/>
-            <a:ext cx="4800600" cy="365125"/>
-          </a:xfrm>
-          <a:prstGeom prst="rect">
-            <a:avLst/>
-          </a:prstGeom>
-        </p:spPr>
-        <p:txBody>
-          <a:bodyPr vert="horz" lIns="91440" tIns="45720" rIns="91440" bIns="45720" rtlCol="0" anchor="ctr"/>
-          <a:lstStyle/>
-          <a:p>
-            <a:pPr marL="0" marR="0" lvl="0" indent="0" algn="ctr" defTabSz="914400" rtl="0" eaLnBrk="1" fontAlgn="auto" latinLnBrk="0" hangingPunct="1">
-              <a:lnSpc>
-                <a:spcPct val="100000"/>
-              </a:lnSpc>
-              <a:spcBef>
-                <a:spcPts val="0"/>
-              </a:spcBef>
-              <a:spcAft>
-                <a:spcPts val="0"/>
-              </a:spcAft>
-              <a:buClrTx/>
-              <a:buSzTx/>
-              <a:buFontTx/>
-              <a:buNone/>
-              <a:defRPr/>
-            </a:pPr>
-            <a:r>
-              <a:rPr kumimoji="0" lang="en-IN" sz="1200" b="1" i="0" u="none" strike="noStrike" kern="1200" cap="none" spc="0" normalizeH="0" baseline="0" noProof="0" smtClean="0">
-                <a:ln>
-                  <a:noFill/>
-                </a:ln>
-                <a:solidFill>
-                  <a:srgbClr val="7030A0"/>
-                </a:solidFill>
-                <a:effectLst/>
-                <a:uLnTx/>
-                <a:uFillTx/>
-                <a:latin typeface="Garamond" panose="02020404030301010803" pitchFamily="18" charset="0"/>
-                <a:ea typeface="+mn-ea"/>
-                <a:cs typeface="+mn-cs"/>
-              </a:rPr>
-              <a:t>BCSE303L – Operating systems</a:t>
-            </a:r>
-            <a:endParaRPr kumimoji="0" lang="en-IN" sz="1200" b="1" i="0" u="none" strike="noStrike" kern="1200" cap="none" spc="0" normalizeH="0" baseline="0" noProof="0" dirty="0">
-              <a:ln>
-                <a:noFill/>
-              </a:ln>
-              <a:solidFill>
-                <a:srgbClr val="7030A0"/>
-              </a:solidFill>
-              <a:effectLst/>
-              <a:uLnTx/>
-              <a:uFillTx/>
-              <a:latin typeface="Garamond" panose="02020404030301010803" pitchFamily="18" charset="0"/>
-              <a:ea typeface="+mn-ea"/>
-              <a:cs typeface="+mn-cs"/>
-            </a:endParaRPr>
           </a:p>
         </p:txBody>
       </p:sp>
@@ -7001,28 +5924,6 @@
               <a:buNone/>
             </a:pPr>
             <a:endParaRPr lang="en-IN" dirty="0" smtClean="0"/>
-          </a:p>
-        </p:txBody>
-      </p:sp>
-      <p:sp>
-        <p:nvSpPr>
-          <p:cNvPr id="4" name="Date Placeholder 3"/>
-          <p:cNvSpPr>
-            <a:spLocks noGrp="1"/>
-          </p:cNvSpPr>
-          <p:nvPr>
-            <p:ph type="dt" sz="half" idx="10"/>
-          </p:nvPr>
-        </p:nvSpPr>
-        <p:spPr/>
-        <p:txBody>
-          <a:bodyPr/>
-          <a:lstStyle/>
-          <a:p>
-            <a:fld id="{9041E13A-E84E-4769-8BB6-1C6EE79B2988}" type="datetime1">
-              <a:rPr lang="en-US" smtClean="0"/>
-            </a:fld>
-            <a:endParaRPr lang="en-US"/>
           </a:p>
         </p:txBody>
       </p:sp>
@@ -7100,75 +6001,6 @@
           <a:effectLst/>
         </p:spPr>
       </p:pic>
-      <p:sp>
-        <p:nvSpPr>
-          <p:cNvPr id="8" name="Footer Placeholder 4"/>
-          <p:cNvSpPr txBox="1"/>
-          <p:nvPr/>
-        </p:nvSpPr>
-        <p:spPr>
-          <a:xfrm>
-            <a:off x="2286000" y="6340035"/>
-            <a:ext cx="4800600" cy="365125"/>
-          </a:xfrm>
-          <a:prstGeom prst="rect">
-            <a:avLst/>
-          </a:prstGeom>
-        </p:spPr>
-        <p:txBody>
-          <a:bodyPr vert="horz" lIns="91440" tIns="45720" rIns="91440" bIns="45720" rtlCol="0" anchor="ctr"/>
-          <a:lstStyle/>
-          <a:p>
-            <a:pPr marL="0" marR="0" lvl="0" indent="0" algn="ctr" defTabSz="914400" rtl="0" eaLnBrk="1" fontAlgn="auto" latinLnBrk="0" hangingPunct="1">
-              <a:lnSpc>
-                <a:spcPct val="100000"/>
-              </a:lnSpc>
-              <a:spcBef>
-                <a:spcPts val="0"/>
-              </a:spcBef>
-              <a:spcAft>
-                <a:spcPts val="0"/>
-              </a:spcAft>
-              <a:buClrTx/>
-              <a:buSzTx/>
-              <a:buFontTx/>
-              <a:buNone/>
-              <a:defRPr/>
-            </a:pPr>
-            <a:r>
-              <a:rPr kumimoji="0" lang="en-IN" sz="1200" b="1" i="0" u="none" strike="noStrike" kern="1200" cap="none" spc="0" normalizeH="0" baseline="0" noProof="0" smtClean="0">
-                <a:ln>
-                  <a:noFill/>
-                </a:ln>
-                <a:solidFill>
-                  <a:srgbClr val="7030A0"/>
-                </a:solidFill>
-                <a:effectLst/>
-                <a:uLnTx/>
-                <a:uFillTx/>
-                <a:latin typeface="Garamond" panose="02020404030301010803" pitchFamily="18" charset="0"/>
-                <a:ea typeface="+mn-ea"/>
-                <a:cs typeface="+mn-cs"/>
-              </a:rPr>
-              <a:t>BCSE303L – Operating systems</a:t>
-            </a:r>
-            <a:endParaRPr kumimoji="0" lang="en-IN" sz="1200" b="1" i="0" u="none" strike="noStrike" kern="1200" cap="none" spc="0" normalizeH="0" baseline="0" noProof="0" dirty="0">
-              <a:ln>
-                <a:noFill/>
-              </a:ln>
-              <a:solidFill>
-                <a:srgbClr val="7030A0"/>
-              </a:solidFill>
-              <a:effectLst/>
-              <a:uLnTx/>
-              <a:uFillTx/>
-              <a:latin typeface="Garamond" panose="02020404030301010803" pitchFamily="18" charset="0"/>
-              <a:ea typeface="+mn-ea"/>
-              <a:cs typeface="+mn-cs"/>
-            </a:endParaRPr>
-          </a:p>
-        </p:txBody>
-      </p:sp>
     </p:spTree>
   </p:cSld>
   <p:clrMapOvr>
@@ -7262,28 +6094,6 @@
               <a:buNone/>
             </a:pPr>
             <a:endParaRPr lang="en-IN" dirty="0" smtClean="0"/>
-          </a:p>
-        </p:txBody>
-      </p:sp>
-      <p:sp>
-        <p:nvSpPr>
-          <p:cNvPr id="4" name="Date Placeholder 3"/>
-          <p:cNvSpPr>
-            <a:spLocks noGrp="1"/>
-          </p:cNvSpPr>
-          <p:nvPr>
-            <p:ph type="dt" sz="half" idx="10"/>
-          </p:nvPr>
-        </p:nvSpPr>
-        <p:spPr/>
-        <p:txBody>
-          <a:bodyPr/>
-          <a:lstStyle/>
-          <a:p>
-            <a:fld id="{9041E13A-E84E-4769-8BB6-1C6EE79B2988}" type="datetime1">
-              <a:rPr lang="en-US" smtClean="0"/>
-            </a:fld>
-            <a:endParaRPr lang="en-US"/>
           </a:p>
         </p:txBody>
       </p:sp>
@@ -7361,75 +6171,6 @@
           <a:effectLst/>
         </p:spPr>
       </p:pic>
-      <p:sp>
-        <p:nvSpPr>
-          <p:cNvPr id="8" name="Footer Placeholder 4"/>
-          <p:cNvSpPr txBox="1"/>
-          <p:nvPr/>
-        </p:nvSpPr>
-        <p:spPr>
-          <a:xfrm>
-            <a:off x="2286000" y="6340035"/>
-            <a:ext cx="4800600" cy="365125"/>
-          </a:xfrm>
-          <a:prstGeom prst="rect">
-            <a:avLst/>
-          </a:prstGeom>
-        </p:spPr>
-        <p:txBody>
-          <a:bodyPr vert="horz" lIns="91440" tIns="45720" rIns="91440" bIns="45720" rtlCol="0" anchor="ctr"/>
-          <a:lstStyle/>
-          <a:p>
-            <a:pPr marL="0" marR="0" lvl="0" indent="0" algn="ctr" defTabSz="914400" rtl="0" eaLnBrk="1" fontAlgn="auto" latinLnBrk="0" hangingPunct="1">
-              <a:lnSpc>
-                <a:spcPct val="100000"/>
-              </a:lnSpc>
-              <a:spcBef>
-                <a:spcPts val="0"/>
-              </a:spcBef>
-              <a:spcAft>
-                <a:spcPts val="0"/>
-              </a:spcAft>
-              <a:buClrTx/>
-              <a:buSzTx/>
-              <a:buFontTx/>
-              <a:buNone/>
-              <a:defRPr/>
-            </a:pPr>
-            <a:r>
-              <a:rPr kumimoji="0" lang="en-IN" sz="1200" b="1" i="0" u="none" strike="noStrike" kern="1200" cap="none" spc="0" normalizeH="0" baseline="0" noProof="0" smtClean="0">
-                <a:ln>
-                  <a:noFill/>
-                </a:ln>
-                <a:solidFill>
-                  <a:srgbClr val="7030A0"/>
-                </a:solidFill>
-                <a:effectLst/>
-                <a:uLnTx/>
-                <a:uFillTx/>
-                <a:latin typeface="Garamond" panose="02020404030301010803" pitchFamily="18" charset="0"/>
-                <a:ea typeface="+mn-ea"/>
-                <a:cs typeface="+mn-cs"/>
-              </a:rPr>
-              <a:t>BCSE303L – Operating systems</a:t>
-            </a:r>
-            <a:endParaRPr kumimoji="0" lang="en-IN" sz="1200" b="1" i="0" u="none" strike="noStrike" kern="1200" cap="none" spc="0" normalizeH="0" baseline="0" noProof="0" dirty="0">
-              <a:ln>
-                <a:noFill/>
-              </a:ln>
-              <a:solidFill>
-                <a:srgbClr val="7030A0"/>
-              </a:solidFill>
-              <a:effectLst/>
-              <a:uLnTx/>
-              <a:uFillTx/>
-              <a:latin typeface="Garamond" panose="02020404030301010803" pitchFamily="18" charset="0"/>
-              <a:ea typeface="+mn-ea"/>
-              <a:cs typeface="+mn-cs"/>
-            </a:endParaRPr>
-          </a:p>
-        </p:txBody>
-      </p:sp>
     </p:spTree>
   </p:cSld>
   <p:clrMapOvr>
@@ -7789,28 +6530,6 @@
       </p:sp>
       <p:sp>
         <p:nvSpPr>
-          <p:cNvPr id="4" name="Date Placeholder 3"/>
-          <p:cNvSpPr>
-            <a:spLocks noGrp="1"/>
-          </p:cNvSpPr>
-          <p:nvPr>
-            <p:ph type="dt" sz="half" idx="10"/>
-          </p:nvPr>
-        </p:nvSpPr>
-        <p:spPr/>
-        <p:txBody>
-          <a:bodyPr/>
-          <a:lstStyle/>
-          <a:p>
-            <a:fld id="{9041E13A-E84E-4769-8BB6-1C6EE79B2988}" type="datetime1">
-              <a:rPr lang="en-US" smtClean="0"/>
-            </a:fld>
-            <a:endParaRPr lang="en-US"/>
-          </a:p>
-        </p:txBody>
-      </p:sp>
-      <p:sp>
-        <p:nvSpPr>
           <p:cNvPr id="5" name="Rectangle 4"/>
           <p:cNvSpPr/>
           <p:nvPr/>
@@ -7883,75 +6602,6 @@
           <a:effectLst/>
         </p:spPr>
       </p:pic>
-      <p:sp>
-        <p:nvSpPr>
-          <p:cNvPr id="8" name="Footer Placeholder 4"/>
-          <p:cNvSpPr txBox="1"/>
-          <p:nvPr/>
-        </p:nvSpPr>
-        <p:spPr>
-          <a:xfrm>
-            <a:off x="2286000" y="6340035"/>
-            <a:ext cx="4800600" cy="365125"/>
-          </a:xfrm>
-          <a:prstGeom prst="rect">
-            <a:avLst/>
-          </a:prstGeom>
-        </p:spPr>
-        <p:txBody>
-          <a:bodyPr vert="horz" lIns="91440" tIns="45720" rIns="91440" bIns="45720" rtlCol="0" anchor="ctr"/>
-          <a:lstStyle/>
-          <a:p>
-            <a:pPr marL="0" marR="0" lvl="0" indent="0" algn="ctr" defTabSz="914400" rtl="0" eaLnBrk="1" fontAlgn="auto" latinLnBrk="0" hangingPunct="1">
-              <a:lnSpc>
-                <a:spcPct val="100000"/>
-              </a:lnSpc>
-              <a:spcBef>
-                <a:spcPts val="0"/>
-              </a:spcBef>
-              <a:spcAft>
-                <a:spcPts val="0"/>
-              </a:spcAft>
-              <a:buClrTx/>
-              <a:buSzTx/>
-              <a:buFontTx/>
-              <a:buNone/>
-              <a:defRPr/>
-            </a:pPr>
-            <a:r>
-              <a:rPr kumimoji="0" lang="en-IN" sz="1200" b="1" i="0" u="none" strike="noStrike" kern="1200" cap="none" spc="0" normalizeH="0" baseline="0" noProof="0" smtClean="0">
-                <a:ln>
-                  <a:noFill/>
-                </a:ln>
-                <a:solidFill>
-                  <a:srgbClr val="7030A0"/>
-                </a:solidFill>
-                <a:effectLst/>
-                <a:uLnTx/>
-                <a:uFillTx/>
-                <a:latin typeface="Garamond" panose="02020404030301010803" pitchFamily="18" charset="0"/>
-                <a:ea typeface="+mn-ea"/>
-                <a:cs typeface="+mn-cs"/>
-              </a:rPr>
-              <a:t>BCSE303L – Operating systems</a:t>
-            </a:r>
-            <a:endParaRPr kumimoji="0" lang="en-IN" sz="1200" b="1" i="0" u="none" strike="noStrike" kern="1200" cap="none" spc="0" normalizeH="0" baseline="0" noProof="0" dirty="0">
-              <a:ln>
-                <a:noFill/>
-              </a:ln>
-              <a:solidFill>
-                <a:srgbClr val="7030A0"/>
-              </a:solidFill>
-              <a:effectLst/>
-              <a:uLnTx/>
-              <a:uFillTx/>
-              <a:latin typeface="Garamond" panose="02020404030301010803" pitchFamily="18" charset="0"/>
-              <a:ea typeface="+mn-ea"/>
-              <a:cs typeface="+mn-cs"/>
-            </a:endParaRPr>
-          </a:p>
-        </p:txBody>
-      </p:sp>
     </p:spTree>
   </p:cSld>
   <p:clrMapOvr>
